--- a/asdsa.pptx
+++ b/asdsa.pptx
@@ -105,6 +105,11 @@
       </a:defRPr>
     </a:lvl9pPr>
   </p:defaultTextStyle>
+  <p:extLst>
+    <p:ext uri="{EFAFB233-063F-42B5-8137-9DF3F51BA10A}">
+      <p15:sldGuideLst xmlns:p15="http://schemas.microsoft.com/office/powerpoint/2012/main"/>
+    </p:ext>
+  </p:extLst>
 </p:presentation>
 </file>
 
@@ -3452,7 +3457,9 @@
         </p:nvSpPr>
         <p:spPr/>
         <p:txBody>
-          <a:bodyPr/>
+          <a:bodyPr>
+            <a:normAutofit lnSpcReduction="10000"/>
+          </a:bodyPr>
           <a:lstStyle/>
           <a:p>
             <a:r>
@@ -3487,14 +3494,45 @@
             <a:pPr lvl="1"/>
             <a:r>
               <a:rPr lang="de-DE" dirty="0" err="1"/>
-              <a:t>Dss</a:t>
+              <a:t>döslf</a:t>
             </a:r>
             <a:endParaRPr lang="de-DE" dirty="0"/>
           </a:p>
           <a:p>
             <a:r>
               <a:rPr lang="de-DE" dirty="0" err="1"/>
-              <a:t>fsd</a:t>
+              <a:t>Fsd</a:t>
+            </a:r>
+            <a:endParaRPr lang="de-DE" dirty="0"/>
+          </a:p>
+          <a:p>
+            <a:r>
+              <a:rPr lang="de-DE" dirty="0" err="1"/>
+              <a:t>Sdfgjiafdv.ndn</a:t>
+            </a:r>
+            <a:r>
+              <a:rPr lang="de-DE" dirty="0"/>
+              <a:t> y</a:t>
+            </a:r>
+          </a:p>
+          <a:p>
+            <a:r>
+              <a:rPr lang="de-DE" dirty="0"/>
+              <a:t>Q</a:t>
+            </a:r>
+          </a:p>
+          <a:p>
+            <a:pPr lvl="1"/>
+            <a:r>
+              <a:rPr lang="de-DE" dirty="0"/>
+              <a:t>DMKSDMFDM</a:t>
+            </a:r>
+          </a:p>
+          <a:p>
+            <a:pPr lvl="1"/>
+            <a:r>
+              <a:rPr lang="de-DE"/>
+              <a:t>SKSDÖNV</a:t>
             </a:r>
             <a:endParaRPr lang="de-DE" dirty="0"/>
           </a:p>
